--- a/Generate/Template/Pitching_Report_DUPK_BI_Pengaduan_Sistem_Pembayaran_1_7_April_2022.pptx
+++ b/Generate/Template/Pitching_Report_DUPK_BI_Pengaduan_Sistem_Pembayaran_1_7_April_2022.pptx
@@ -2310,13 +2310,13 @@
               <c:strCache>
                 <c:ptCount val="3"/>
                 <c:pt idx="0">
-                  <c:v>Negatif</c:v>
+                  <c:v>Positif</c:v>
                 </c:pt>
                 <c:pt idx="1">
                   <c:v>Netral</c:v>
                 </c:pt>
                 <c:pt idx="2">
-                  <c:v>Positif</c:v>
+                  <c:v>Negatif</c:v>
                 </c:pt>
               </c:strCache>
             </c:strRef>
@@ -2328,13 +2328,13 @@
                 <c:formatCode>General</c:formatCode>
                 <c:ptCount val="3"/>
                 <c:pt idx="0">
-                  <c:v>0.06</c:v>
+                  <c:v>0.57</c:v>
                 </c:pt>
                 <c:pt idx="1">
                   <c:v>0.37</c:v>
                 </c:pt>
                 <c:pt idx="2">
-                  <c:v>0.57</c:v>
+                  <c:v>0.06</c:v>
                 </c:pt>
               </c:numCache>
             </c:numRef>
@@ -7160,7 +7160,7 @@
           <a:p>
             <a:fld id="{68EBA321-806E-4B34-8C1C-F0AD790BEF5A}" type="datetimeFigureOut">
               <a:rPr lang="en-US" smtClean="0"/>
-              <a:t>3/19/2024</a:t>
+              <a:t>3/20/2024</a:t>
             </a:fld>
             <a:endParaRPr lang="en-US"/>
           </a:p>
@@ -32610,7 +32610,7 @@
                 <a:t>implementasi</a:t>
               </a:r>
               <a:r>
-                <a:rPr kumimoji="0" lang="en-US" sz="900" b="0" i="0" u="none" strike="noStrike" kern="0" cap="none" spc="0" normalizeH="0" baseline="0" noProof="0" dirty="0">
+                <a:rPr kumimoji="0" lang="en-US" sz="900" b="0" i="0" u="none" strike="noStrike" kern="0" cap="none" spc="0" normalizeH="0" baseline="0" noProof="0">
                   <a:ln>
                     <a:noFill/>
                   </a:ln>
@@ -32622,8 +32622,20 @@
                   <a:uFillTx/>
                   <a:latin typeface="Calibri"/>
                 </a:rPr>
-                <a:t> QRIS </a:t>
+                <a:t> QRIS. </a:t>
               </a:r>
+              <a:endParaRPr kumimoji="0" lang="en-US" sz="900" b="0" i="0" u="none" strike="noStrike" kern="0" cap="none" spc="0" normalizeH="0" baseline="0" noProof="0" dirty="0">
+                <a:ln>
+                  <a:noFill/>
+                </a:ln>
+                <a:solidFill>
+                  <a:prstClr val="black"/>
+                </a:solidFill>
+                <a:effectLst/>
+                <a:uLnTx/>
+                <a:uFillTx/>
+                <a:latin typeface="Calibri"/>
+              </a:endParaRPr>
             </a:p>
             <a:p>
               <a:pPr marL="171450" marR="0" lvl="0" indent="-171450" defTabSz="914400" eaLnBrk="1" fontAlgn="auto" latinLnBrk="0" hangingPunct="1">
